--- a/Minor_Project_Presentation.pptx
+++ b/Minor_Project_Presentation.pptx
@@ -859,7 +859,8 @@
           <a:p>
             <a:fld id="{6FDFF9E5-F6EC-44C7-972A-E1438E12799D}" type="datetimeFigureOut">
               <a:rPr lang="en-US" smtClean="0"/>
-              <a:t>19-Apr-23</a:t>
+              <a:pPr/>
+              <a:t>4/19/2023</a:t>
             </a:fld>
             <a:endParaRPr lang="en-US"/>
           </a:p>
@@ -901,6 +902,7 @@
           <a:p>
             <a:fld id="{883F6A5D-4F29-4ED5-BB35-70B4C28A4EA8}" type="slidenum">
               <a:rPr lang="en-US" smtClean="0"/>
+              <a:pPr/>
               <a:t>‹#›</a:t>
             </a:fld>
             <a:endParaRPr lang="en-US"/>
@@ -910,7 +912,7 @@
     </p:spTree>
     <p:extLst>
       <p:ext uri="{BB962C8B-B14F-4D97-AF65-F5344CB8AC3E}">
-        <p14:creationId xmlns:p14="http://schemas.microsoft.com/office/powerpoint/2010/main" val="3709542047"/>
+        <p14:creationId xmlns="" xmlns:p14="http://schemas.microsoft.com/office/powerpoint/2010/main" val="3709542047"/>
       </p:ext>
     </p:extLst>
   </p:cSld>
@@ -1110,7 +1112,8 @@
           <a:p>
             <a:fld id="{6FDFF9E5-F6EC-44C7-972A-E1438E12799D}" type="datetimeFigureOut">
               <a:rPr lang="en-US" smtClean="0"/>
-              <a:t>19-Apr-23</a:t>
+              <a:pPr/>
+              <a:t>4/19/2023</a:t>
             </a:fld>
             <a:endParaRPr lang="en-US"/>
           </a:p>
@@ -1152,6 +1155,7 @@
           <a:p>
             <a:fld id="{883F6A5D-4F29-4ED5-BB35-70B4C28A4EA8}" type="slidenum">
               <a:rPr lang="en-US" smtClean="0"/>
+              <a:pPr/>
               <a:t>‹#›</a:t>
             </a:fld>
             <a:endParaRPr lang="en-US"/>
@@ -1161,7 +1165,7 @@
     </p:spTree>
     <p:extLst>
       <p:ext uri="{BB962C8B-B14F-4D97-AF65-F5344CB8AC3E}">
-        <p14:creationId xmlns:p14="http://schemas.microsoft.com/office/powerpoint/2010/main" val="1751261768"/>
+        <p14:creationId xmlns="" xmlns:p14="http://schemas.microsoft.com/office/powerpoint/2010/main" val="1751261768"/>
       </p:ext>
     </p:extLst>
   </p:cSld>
@@ -1424,7 +1428,8 @@
           <a:p>
             <a:fld id="{6FDFF9E5-F6EC-44C7-972A-E1438E12799D}" type="datetimeFigureOut">
               <a:rPr lang="en-US" smtClean="0"/>
-              <a:t>19-Apr-23</a:t>
+              <a:pPr/>
+              <a:t>4/19/2023</a:t>
             </a:fld>
             <a:endParaRPr lang="en-US"/>
           </a:p>
@@ -1466,6 +1471,7 @@
           <a:p>
             <a:fld id="{883F6A5D-4F29-4ED5-BB35-70B4C28A4EA8}" type="slidenum">
               <a:rPr lang="en-US" smtClean="0"/>
+              <a:pPr/>
               <a:t>‹#›</a:t>
             </a:fld>
             <a:endParaRPr lang="en-US"/>
@@ -1557,7 +1563,7 @@
     </p:spTree>
     <p:extLst>
       <p:ext uri="{BB962C8B-B14F-4D97-AF65-F5344CB8AC3E}">
-        <p14:creationId xmlns:p14="http://schemas.microsoft.com/office/powerpoint/2010/main" val="2936053062"/>
+        <p14:creationId xmlns="" xmlns:p14="http://schemas.microsoft.com/office/powerpoint/2010/main" val="2936053062"/>
       </p:ext>
     </p:extLst>
   </p:cSld>
@@ -1757,7 +1763,8 @@
           <a:p>
             <a:fld id="{6FDFF9E5-F6EC-44C7-972A-E1438E12799D}" type="datetimeFigureOut">
               <a:rPr lang="en-US" smtClean="0"/>
-              <a:t>19-Apr-23</a:t>
+              <a:pPr/>
+              <a:t>4/19/2023</a:t>
             </a:fld>
             <a:endParaRPr lang="en-US"/>
           </a:p>
@@ -1799,6 +1806,7 @@
           <a:p>
             <a:fld id="{883F6A5D-4F29-4ED5-BB35-70B4C28A4EA8}" type="slidenum">
               <a:rPr lang="en-US" smtClean="0"/>
+              <a:pPr/>
               <a:t>‹#›</a:t>
             </a:fld>
             <a:endParaRPr lang="en-US"/>
@@ -1808,7 +1816,7 @@
     </p:spTree>
     <p:extLst>
       <p:ext uri="{BB962C8B-B14F-4D97-AF65-F5344CB8AC3E}">
-        <p14:creationId xmlns:p14="http://schemas.microsoft.com/office/powerpoint/2010/main" val="2022840126"/>
+        <p14:creationId xmlns="" xmlns:p14="http://schemas.microsoft.com/office/powerpoint/2010/main" val="2022840126"/>
       </p:ext>
     </p:extLst>
   </p:cSld>
@@ -2071,7 +2079,8 @@
           <a:p>
             <a:fld id="{6FDFF9E5-F6EC-44C7-972A-E1438E12799D}" type="datetimeFigureOut">
               <a:rPr lang="en-US" smtClean="0"/>
-              <a:t>19-Apr-23</a:t>
+              <a:pPr/>
+              <a:t>4/19/2023</a:t>
             </a:fld>
             <a:endParaRPr lang="en-US"/>
           </a:p>
@@ -2113,6 +2122,7 @@
           <a:p>
             <a:fld id="{883F6A5D-4F29-4ED5-BB35-70B4C28A4EA8}" type="slidenum">
               <a:rPr lang="en-US" smtClean="0"/>
+              <a:pPr/>
               <a:t>‹#›</a:t>
             </a:fld>
             <a:endParaRPr lang="en-US"/>
@@ -2204,7 +2214,7 @@
     </p:spTree>
     <p:extLst>
       <p:ext uri="{BB962C8B-B14F-4D97-AF65-F5344CB8AC3E}">
-        <p14:creationId xmlns:p14="http://schemas.microsoft.com/office/powerpoint/2010/main" val="4229118627"/>
+        <p14:creationId xmlns="" xmlns:p14="http://schemas.microsoft.com/office/powerpoint/2010/main" val="4229118627"/>
       </p:ext>
     </p:extLst>
   </p:cSld>
@@ -2464,7 +2474,8 @@
           <a:p>
             <a:fld id="{6FDFF9E5-F6EC-44C7-972A-E1438E12799D}" type="datetimeFigureOut">
               <a:rPr lang="en-US" smtClean="0"/>
-              <a:t>19-Apr-23</a:t>
+              <a:pPr/>
+              <a:t>4/19/2023</a:t>
             </a:fld>
             <a:endParaRPr lang="en-US"/>
           </a:p>
@@ -2506,6 +2517,7 @@
           <a:p>
             <a:fld id="{883F6A5D-4F29-4ED5-BB35-70B4C28A4EA8}" type="slidenum">
               <a:rPr lang="en-US" smtClean="0"/>
+              <a:pPr/>
               <a:t>‹#›</a:t>
             </a:fld>
             <a:endParaRPr lang="en-US"/>
@@ -2515,7 +2527,7 @@
     </p:spTree>
     <p:extLst>
       <p:ext uri="{BB962C8B-B14F-4D97-AF65-F5344CB8AC3E}">
-        <p14:creationId xmlns:p14="http://schemas.microsoft.com/office/powerpoint/2010/main" val="1220577175"/>
+        <p14:creationId xmlns="" xmlns:p14="http://schemas.microsoft.com/office/powerpoint/2010/main" val="1220577175"/>
       </p:ext>
     </p:extLst>
   </p:cSld>
@@ -2634,7 +2646,8 @@
           <a:p>
             <a:fld id="{6FDFF9E5-F6EC-44C7-972A-E1438E12799D}" type="datetimeFigureOut">
               <a:rPr lang="en-US" smtClean="0"/>
-              <a:t>19-Apr-23</a:t>
+              <a:pPr/>
+              <a:t>4/19/2023</a:t>
             </a:fld>
             <a:endParaRPr lang="en-US"/>
           </a:p>
@@ -2676,6 +2689,7 @@
           <a:p>
             <a:fld id="{883F6A5D-4F29-4ED5-BB35-70B4C28A4EA8}" type="slidenum">
               <a:rPr lang="en-US" smtClean="0"/>
+              <a:pPr/>
               <a:t>‹#›</a:t>
             </a:fld>
             <a:endParaRPr lang="en-US"/>
@@ -2685,7 +2699,7 @@
     </p:spTree>
     <p:extLst>
       <p:ext uri="{BB962C8B-B14F-4D97-AF65-F5344CB8AC3E}">
-        <p14:creationId xmlns:p14="http://schemas.microsoft.com/office/powerpoint/2010/main" val="3643102286"/>
+        <p14:creationId xmlns="" xmlns:p14="http://schemas.microsoft.com/office/powerpoint/2010/main" val="3643102286"/>
       </p:ext>
     </p:extLst>
   </p:cSld>
@@ -2814,7 +2828,8 @@
           <a:p>
             <a:fld id="{6FDFF9E5-F6EC-44C7-972A-E1438E12799D}" type="datetimeFigureOut">
               <a:rPr lang="en-US" smtClean="0"/>
-              <a:t>19-Apr-23</a:t>
+              <a:pPr/>
+              <a:t>4/19/2023</a:t>
             </a:fld>
             <a:endParaRPr lang="en-US"/>
           </a:p>
@@ -2856,6 +2871,7 @@
           <a:p>
             <a:fld id="{883F6A5D-4F29-4ED5-BB35-70B4C28A4EA8}" type="slidenum">
               <a:rPr lang="en-US" smtClean="0"/>
+              <a:pPr/>
               <a:t>‹#›</a:t>
             </a:fld>
             <a:endParaRPr lang="en-US"/>
@@ -2865,7 +2881,7 @@
     </p:spTree>
     <p:extLst>
       <p:ext uri="{BB962C8B-B14F-4D97-AF65-F5344CB8AC3E}">
-        <p14:creationId xmlns:p14="http://schemas.microsoft.com/office/powerpoint/2010/main" val="2899174287"/>
+        <p14:creationId xmlns="" xmlns:p14="http://schemas.microsoft.com/office/powerpoint/2010/main" val="2899174287"/>
       </p:ext>
     </p:extLst>
   </p:cSld>
@@ -2984,7 +3000,8 @@
           <a:p>
             <a:fld id="{6FDFF9E5-F6EC-44C7-972A-E1438E12799D}" type="datetimeFigureOut">
               <a:rPr lang="en-US" smtClean="0"/>
-              <a:t>19-Apr-23</a:t>
+              <a:pPr/>
+              <a:t>4/19/2023</a:t>
             </a:fld>
             <a:endParaRPr lang="en-US"/>
           </a:p>
@@ -3026,6 +3043,7 @@
           <a:p>
             <a:fld id="{883F6A5D-4F29-4ED5-BB35-70B4C28A4EA8}" type="slidenum">
               <a:rPr lang="en-US" smtClean="0"/>
+              <a:pPr/>
               <a:t>‹#›</a:t>
             </a:fld>
             <a:endParaRPr lang="en-US"/>
@@ -3035,7 +3053,7 @@
     </p:spTree>
     <p:extLst>
       <p:ext uri="{BB962C8B-B14F-4D97-AF65-F5344CB8AC3E}">
-        <p14:creationId xmlns:p14="http://schemas.microsoft.com/office/powerpoint/2010/main" val="3945050783"/>
+        <p14:creationId xmlns="" xmlns:p14="http://schemas.microsoft.com/office/powerpoint/2010/main" val="3945050783"/>
       </p:ext>
     </p:extLst>
   </p:cSld>
@@ -3231,7 +3249,8 @@
           <a:p>
             <a:fld id="{6FDFF9E5-F6EC-44C7-972A-E1438E12799D}" type="datetimeFigureOut">
               <a:rPr lang="en-US" smtClean="0"/>
-              <a:t>19-Apr-23</a:t>
+              <a:pPr/>
+              <a:t>4/19/2023</a:t>
             </a:fld>
             <a:endParaRPr lang="en-US"/>
           </a:p>
@@ -3273,6 +3292,7 @@
           <a:p>
             <a:fld id="{883F6A5D-4F29-4ED5-BB35-70B4C28A4EA8}" type="slidenum">
               <a:rPr lang="en-US" smtClean="0"/>
+              <a:pPr/>
               <a:t>‹#›</a:t>
             </a:fld>
             <a:endParaRPr lang="en-US"/>
@@ -3282,7 +3302,7 @@
     </p:spTree>
     <p:extLst>
       <p:ext uri="{BB962C8B-B14F-4D97-AF65-F5344CB8AC3E}">
-        <p14:creationId xmlns:p14="http://schemas.microsoft.com/office/powerpoint/2010/main" val="3892352666"/>
+        <p14:creationId xmlns="" xmlns:p14="http://schemas.microsoft.com/office/powerpoint/2010/main" val="3892352666"/>
       </p:ext>
     </p:extLst>
   </p:cSld>
@@ -3463,7 +3483,8 @@
           <a:p>
             <a:fld id="{6FDFF9E5-F6EC-44C7-972A-E1438E12799D}" type="datetimeFigureOut">
               <a:rPr lang="en-US" smtClean="0"/>
-              <a:t>19-Apr-23</a:t>
+              <a:pPr/>
+              <a:t>4/19/2023</a:t>
             </a:fld>
             <a:endParaRPr lang="en-US"/>
           </a:p>
@@ -3505,6 +3526,7 @@
           <a:p>
             <a:fld id="{883F6A5D-4F29-4ED5-BB35-70B4C28A4EA8}" type="slidenum">
               <a:rPr lang="en-US" smtClean="0"/>
+              <a:pPr/>
               <a:t>‹#›</a:t>
             </a:fld>
             <a:endParaRPr lang="en-US"/>
@@ -3514,7 +3536,7 @@
     </p:spTree>
     <p:extLst>
       <p:ext uri="{BB962C8B-B14F-4D97-AF65-F5344CB8AC3E}">
-        <p14:creationId xmlns:p14="http://schemas.microsoft.com/office/powerpoint/2010/main" val="1914635949"/>
+        <p14:creationId xmlns="" xmlns:p14="http://schemas.microsoft.com/office/powerpoint/2010/main" val="1914635949"/>
       </p:ext>
     </p:extLst>
   </p:cSld>
@@ -3837,7 +3859,8 @@
           <a:p>
             <a:fld id="{6FDFF9E5-F6EC-44C7-972A-E1438E12799D}" type="datetimeFigureOut">
               <a:rPr lang="en-US" smtClean="0"/>
-              <a:t>19-Apr-23</a:t>
+              <a:pPr/>
+              <a:t>4/19/2023</a:t>
             </a:fld>
             <a:endParaRPr lang="en-US"/>
           </a:p>
@@ -3879,6 +3902,7 @@
           <a:p>
             <a:fld id="{883F6A5D-4F29-4ED5-BB35-70B4C28A4EA8}" type="slidenum">
               <a:rPr lang="en-US" smtClean="0"/>
+              <a:pPr/>
               <a:t>‹#›</a:t>
             </a:fld>
             <a:endParaRPr lang="en-US"/>
@@ -3888,7 +3912,7 @@
     </p:spTree>
     <p:extLst>
       <p:ext uri="{BB962C8B-B14F-4D97-AF65-F5344CB8AC3E}">
-        <p14:creationId xmlns:p14="http://schemas.microsoft.com/office/powerpoint/2010/main" val="4015920210"/>
+        <p14:creationId xmlns="" xmlns:p14="http://schemas.microsoft.com/office/powerpoint/2010/main" val="4015920210"/>
       </p:ext>
     </p:extLst>
   </p:cSld>
@@ -3960,7 +3984,8 @@
           <a:p>
             <a:fld id="{6FDFF9E5-F6EC-44C7-972A-E1438E12799D}" type="datetimeFigureOut">
               <a:rPr lang="en-US" smtClean="0"/>
-              <a:t>19-Apr-23</a:t>
+              <a:pPr/>
+              <a:t>4/19/2023</a:t>
             </a:fld>
             <a:endParaRPr lang="en-US"/>
           </a:p>
@@ -4002,6 +4027,7 @@
           <a:p>
             <a:fld id="{883F6A5D-4F29-4ED5-BB35-70B4C28A4EA8}" type="slidenum">
               <a:rPr lang="en-US" smtClean="0"/>
+              <a:pPr/>
               <a:t>‹#›</a:t>
             </a:fld>
             <a:endParaRPr lang="en-US"/>
@@ -4011,7 +4037,7 @@
     </p:spTree>
     <p:extLst>
       <p:ext uri="{BB962C8B-B14F-4D97-AF65-F5344CB8AC3E}">
-        <p14:creationId xmlns:p14="http://schemas.microsoft.com/office/powerpoint/2010/main" val="3723531697"/>
+        <p14:creationId xmlns="" xmlns:p14="http://schemas.microsoft.com/office/powerpoint/2010/main" val="3723531697"/>
       </p:ext>
     </p:extLst>
   </p:cSld>
@@ -4055,7 +4081,8 @@
           <a:p>
             <a:fld id="{6FDFF9E5-F6EC-44C7-972A-E1438E12799D}" type="datetimeFigureOut">
               <a:rPr lang="en-US" smtClean="0"/>
-              <a:t>19-Apr-23</a:t>
+              <a:pPr/>
+              <a:t>4/19/2023</a:t>
             </a:fld>
             <a:endParaRPr lang="en-US"/>
           </a:p>
@@ -4097,6 +4124,7 @@
           <a:p>
             <a:fld id="{883F6A5D-4F29-4ED5-BB35-70B4C28A4EA8}" type="slidenum">
               <a:rPr lang="en-US" smtClean="0"/>
+              <a:pPr/>
               <a:t>‹#›</a:t>
             </a:fld>
             <a:endParaRPr lang="en-US"/>
@@ -4106,7 +4134,7 @@
     </p:spTree>
     <p:extLst>
       <p:ext uri="{BB962C8B-B14F-4D97-AF65-F5344CB8AC3E}">
-        <p14:creationId xmlns:p14="http://schemas.microsoft.com/office/powerpoint/2010/main" val="77204599"/>
+        <p14:creationId xmlns="" xmlns:p14="http://schemas.microsoft.com/office/powerpoint/2010/main" val="77204599"/>
       </p:ext>
     </p:extLst>
   </p:cSld>
@@ -4310,7 +4338,8 @@
           <a:p>
             <a:fld id="{6FDFF9E5-F6EC-44C7-972A-E1438E12799D}" type="datetimeFigureOut">
               <a:rPr lang="en-US" smtClean="0"/>
-              <a:t>19-Apr-23</a:t>
+              <a:pPr/>
+              <a:t>4/19/2023</a:t>
             </a:fld>
             <a:endParaRPr lang="en-US"/>
           </a:p>
@@ -4352,6 +4381,7 @@
           <a:p>
             <a:fld id="{883F6A5D-4F29-4ED5-BB35-70B4C28A4EA8}" type="slidenum">
               <a:rPr lang="en-US" smtClean="0"/>
+              <a:pPr/>
               <a:t>‹#›</a:t>
             </a:fld>
             <a:endParaRPr lang="en-US"/>
@@ -4361,7 +4391,7 @@
     </p:spTree>
     <p:extLst>
       <p:ext uri="{BB962C8B-B14F-4D97-AF65-F5344CB8AC3E}">
-        <p14:creationId xmlns:p14="http://schemas.microsoft.com/office/powerpoint/2010/main" val="1640047235"/>
+        <p14:creationId xmlns="" xmlns:p14="http://schemas.microsoft.com/office/powerpoint/2010/main" val="1640047235"/>
       </p:ext>
     </p:extLst>
   </p:cSld>
@@ -4592,6 +4622,7 @@
           <a:p>
             <a:fld id="{883F6A5D-4F29-4ED5-BB35-70B4C28A4EA8}" type="slidenum">
               <a:rPr lang="en-US" smtClean="0"/>
+              <a:pPr/>
               <a:t>‹#›</a:t>
             </a:fld>
             <a:endParaRPr lang="en-US"/>
@@ -4615,7 +4646,8 @@
           <a:p>
             <a:fld id="{6FDFF9E5-F6EC-44C7-972A-E1438E12799D}" type="datetimeFigureOut">
               <a:rPr lang="en-US" smtClean="0"/>
-              <a:t>19-Apr-23</a:t>
+              <a:pPr/>
+              <a:t>4/19/2023</a:t>
             </a:fld>
             <a:endParaRPr lang="en-US"/>
           </a:p>
@@ -4624,7 +4656,7 @@
     </p:spTree>
     <p:extLst>
       <p:ext uri="{BB962C8B-B14F-4D97-AF65-F5344CB8AC3E}">
-        <p14:creationId xmlns:p14="http://schemas.microsoft.com/office/powerpoint/2010/main" val="2809474549"/>
+        <p14:creationId xmlns="" xmlns:p14="http://schemas.microsoft.com/office/powerpoint/2010/main" val="2809474549"/>
       </p:ext>
     </p:extLst>
   </p:cSld>
@@ -5317,7 +5349,8 @@
           <a:p>
             <a:fld id="{6FDFF9E5-F6EC-44C7-972A-E1438E12799D}" type="datetimeFigureOut">
               <a:rPr lang="en-US" smtClean="0"/>
-              <a:t>19-Apr-23</a:t>
+              <a:pPr/>
+              <a:t>4/19/2023</a:t>
             </a:fld>
             <a:endParaRPr lang="en-US"/>
           </a:p>
@@ -5393,6 +5426,7 @@
           <a:p>
             <a:fld id="{883F6A5D-4F29-4ED5-BB35-70B4C28A4EA8}" type="slidenum">
               <a:rPr lang="en-US" smtClean="0"/>
+              <a:pPr/>
               <a:t>‹#›</a:t>
             </a:fld>
             <a:endParaRPr lang="en-US"/>
@@ -5402,7 +5436,7 @@
     </p:spTree>
     <p:extLst>
       <p:ext uri="{BB962C8B-B14F-4D97-AF65-F5344CB8AC3E}">
-        <p14:creationId xmlns:p14="http://schemas.microsoft.com/office/powerpoint/2010/main" val="1514578502"/>
+        <p14:creationId xmlns="" xmlns:p14="http://schemas.microsoft.com/office/powerpoint/2010/main" val="1514578502"/>
       </p:ext>
     </p:extLst>
   </p:cSld>
@@ -5846,7 +5880,7 @@
           <p:cNvPr id="2" name="Title 1">
             <a:extLst>
               <a:ext uri="{FF2B5EF4-FFF2-40B4-BE49-F238E27FC236}">
-                <a16:creationId xmlns:a16="http://schemas.microsoft.com/office/drawing/2014/main" id="{22484386-3600-F30F-3A01-6E2BF0545330}"/>
+                <a16:creationId xmlns="" xmlns:a16="http://schemas.microsoft.com/office/drawing/2014/main" id="{22484386-3600-F30F-3A01-6E2BF0545330}"/>
               </a:ext>
             </a:extLst>
           </p:cNvPr>
@@ -5877,7 +5911,7 @@
           <p:cNvPr id="3" name="Subtitle 2">
             <a:extLst>
               <a:ext uri="{FF2B5EF4-FFF2-40B4-BE49-F238E27FC236}">
-                <a16:creationId xmlns:a16="http://schemas.microsoft.com/office/drawing/2014/main" id="{2DF80F25-F4CC-CC24-2CC1-D6105F4A9192}"/>
+                <a16:creationId xmlns="" xmlns:a16="http://schemas.microsoft.com/office/drawing/2014/main" id="{2DF80F25-F4CC-CC24-2CC1-D6105F4A9192}"/>
               </a:ext>
             </a:extLst>
           </p:cNvPr>
@@ -5913,7 +5947,7 @@
     </p:spTree>
     <p:extLst>
       <p:ext uri="{BB962C8B-B14F-4D97-AF65-F5344CB8AC3E}">
-        <p14:creationId xmlns:p14="http://schemas.microsoft.com/office/powerpoint/2010/main" val="3072988315"/>
+        <p14:creationId xmlns="" xmlns:p14="http://schemas.microsoft.com/office/powerpoint/2010/main" val="3072988315"/>
       </p:ext>
     </p:extLst>
   </p:cSld>
@@ -5945,7 +5979,7 @@
           <p:cNvPr id="2" name="Title 1">
             <a:extLst>
               <a:ext uri="{FF2B5EF4-FFF2-40B4-BE49-F238E27FC236}">
-                <a16:creationId xmlns:a16="http://schemas.microsoft.com/office/drawing/2014/main" id="{ECBB2E5F-48B2-5196-D749-6C1200369B60}"/>
+                <a16:creationId xmlns="" xmlns:a16="http://schemas.microsoft.com/office/drawing/2014/main" id="{ECBB2E5F-48B2-5196-D749-6C1200369B60}"/>
               </a:ext>
             </a:extLst>
           </p:cNvPr>
@@ -5985,6 +6019,15 @@
                 <a:cs typeface="Arial" panose="020B0604020202020204" pitchFamily="34" charset="0"/>
               </a:rPr>
             </a:br>
+            <a:r>
+              <a:rPr lang="en-US" dirty="0">
+                <a:solidFill>
+                  <a:schemeClr val="tx1"/>
+                </a:solidFill>
+                <a:cs typeface="Arial" panose="020B0604020202020204" pitchFamily="34" charset="0"/>
+              </a:rPr>
+              <a:t/>
+            </a:r>
             <a:br>
               <a:rPr lang="en-US" dirty="0">
                 <a:solidFill>
@@ -6037,6 +6080,15 @@
               </a:rPr>
               <a:t> – 20U02057</a:t>
             </a:r>
+            <a:r>
+              <a:rPr lang="en-US" dirty="0">
+                <a:solidFill>
+                  <a:schemeClr val="tx1"/>
+                </a:solidFill>
+                <a:cs typeface="Arial" panose="020B0604020202020204" pitchFamily="34" charset="0"/>
+              </a:rPr>
+              <a:t/>
+            </a:r>
             <a:br>
               <a:rPr lang="en-US" dirty="0">
                 <a:solidFill>
@@ -6045,6 +6097,15 @@
                 <a:cs typeface="Arial" panose="020B0604020202020204" pitchFamily="34" charset="0"/>
               </a:rPr>
             </a:br>
+            <a:r>
+              <a:rPr lang="en-US" dirty="0">
+                <a:solidFill>
+                  <a:schemeClr val="tx1"/>
+                </a:solidFill>
+                <a:cs typeface="Arial" panose="020B0604020202020204" pitchFamily="34" charset="0"/>
+              </a:rPr>
+              <a:t/>
+            </a:r>
             <a:br>
               <a:rPr lang="en-US" dirty="0">
                 <a:solidFill>
@@ -6060,16 +6121,34 @@
                 </a:solidFill>
                 <a:cs typeface="Arial" panose="020B0604020202020204" pitchFamily="34" charset="0"/>
               </a:rPr>
-              <a:t>Project Supervisor:-</a:t>
+              <a:t>Project Supervisor</a:t>
+            </a:r>
+            <a:r>
+              <a:rPr lang="en-US" dirty="0" smtClean="0">
+                <a:solidFill>
+                  <a:schemeClr val="tx1"/>
+                </a:solidFill>
+                <a:cs typeface="Arial" panose="020B0604020202020204" pitchFamily="34" charset="0"/>
+              </a:rPr>
+              <a:t>:-</a:t>
             </a:r>
             <a:br>
-              <a:rPr lang="en-US" dirty="0">
+              <a:rPr lang="en-US" dirty="0" smtClean="0">
                 <a:solidFill>
                   <a:schemeClr val="tx1"/>
                 </a:solidFill>
                 <a:cs typeface="Arial" panose="020B0604020202020204" pitchFamily="34" charset="0"/>
               </a:rPr>
             </a:br>
+            <a:r>
+              <a:rPr lang="en-US" dirty="0">
+                <a:solidFill>
+                  <a:schemeClr val="tx1"/>
+                </a:solidFill>
+                <a:cs typeface="Arial" panose="020B0604020202020204" pitchFamily="34" charset="0"/>
+              </a:rPr>
+              <a:t/>
+            </a:r>
             <a:br>
               <a:rPr lang="en-US" dirty="0">
                 <a:solidFill>
@@ -6085,45 +6164,92 @@
                 </a:solidFill>
                 <a:cs typeface="Arial" panose="020B0604020202020204" pitchFamily="34" charset="0"/>
               </a:rPr>
-              <a:t>Dr. Nikhil Singh</a:t>
-            </a:r>
-          </a:p>
-        </p:txBody>
-      </p:sp>
-      <p:sp>
-        <p:nvSpPr>
-          <p:cNvPr id="3" name="Content Placeholder 2">
-            <a:extLst>
-              <a:ext uri="{FF2B5EF4-FFF2-40B4-BE49-F238E27FC236}">
-                <a16:creationId xmlns:a16="http://schemas.microsoft.com/office/drawing/2014/main" id="{D8A81B64-9198-63E8-6836-B4433CAEE9D5}"/>
-              </a:ext>
-            </a:extLst>
-          </p:cNvPr>
-          <p:cNvSpPr>
-            <a:spLocks noGrp="1"/>
-          </p:cNvSpPr>
-          <p:nvPr>
-            <p:ph idx="1"/>
-          </p:nvPr>
-        </p:nvSpPr>
-        <p:spPr>
-          <a:xfrm>
-            <a:off x="677334" y="5662246"/>
-            <a:ext cx="1555912" cy="379116"/>
-          </a:xfrm>
-        </p:spPr>
-        <p:txBody>
-          <a:bodyPr/>
-          <a:lstStyle/>
-          <a:p>
-            <a:endParaRPr lang="en-US" dirty="0"/>
+              <a:t>Dr. Nikhil </a:t>
+            </a:r>
+            <a:r>
+              <a:rPr lang="en-US" sz="3100" dirty="0" smtClean="0">
+                <a:solidFill>
+                  <a:schemeClr val="tx1"/>
+                </a:solidFill>
+                <a:cs typeface="Arial" panose="020B0604020202020204" pitchFamily="34" charset="0"/>
+              </a:rPr>
+              <a:t>Singh</a:t>
+            </a:r>
+            <a:br>
+              <a:rPr lang="en-US" sz="3100" dirty="0" smtClean="0">
+                <a:solidFill>
+                  <a:schemeClr val="tx1"/>
+                </a:solidFill>
+                <a:cs typeface="Arial" panose="020B0604020202020204" pitchFamily="34" charset="0"/>
+              </a:rPr>
+            </a:br>
+            <a:r>
+              <a:rPr lang="en-US" sz="3100" dirty="0" smtClean="0">
+                <a:solidFill>
+                  <a:schemeClr val="tx1"/>
+                </a:solidFill>
+                <a:cs typeface="Arial" panose="020B0604020202020204" pitchFamily="34" charset="0"/>
+              </a:rPr>
+              <a:t/>
+            </a:r>
+            <a:br>
+              <a:rPr lang="en-US" sz="3100" dirty="0" smtClean="0">
+                <a:solidFill>
+                  <a:schemeClr val="tx1"/>
+                </a:solidFill>
+                <a:cs typeface="Arial" panose="020B0604020202020204" pitchFamily="34" charset="0"/>
+              </a:rPr>
+            </a:br>
+            <a:r>
+              <a:rPr lang="en-US" sz="3100" dirty="0" err="1" smtClean="0">
+                <a:solidFill>
+                  <a:schemeClr val="tx1"/>
+                </a:solidFill>
+                <a:cs typeface="Arial" panose="020B0604020202020204" pitchFamily="34" charset="0"/>
+              </a:rPr>
+              <a:t>Github</a:t>
+            </a:r>
+            <a:r>
+              <a:rPr lang="en-US" sz="3100" dirty="0" smtClean="0">
+                <a:solidFill>
+                  <a:schemeClr val="tx1"/>
+                </a:solidFill>
+                <a:cs typeface="Arial" panose="020B0604020202020204" pitchFamily="34" charset="0"/>
+              </a:rPr>
+              <a:t> </a:t>
+            </a:r>
+            <a:r>
+              <a:rPr lang="en-US" sz="3100" dirty="0" smtClean="0">
+                <a:solidFill>
+                  <a:schemeClr val="tx1"/>
+                </a:solidFill>
+                <a:cs typeface="Arial" panose="020B0604020202020204" pitchFamily="34" charset="0"/>
+              </a:rPr>
+              <a:t>link for Source code - </a:t>
+            </a:r>
+            <a:r>
+              <a:rPr lang="en-US" sz="3100" dirty="0" smtClean="0">
+                <a:solidFill>
+                  <a:schemeClr val="tx1"/>
+                </a:solidFill>
+                <a:cs typeface="Arial" panose="020B0604020202020204" pitchFamily="34" charset="0"/>
+                <a:hlinkClick r:id="rId2"/>
+              </a:rPr>
+              <a:t>https://github.com/SH3R1FF/Friends-Recommendation-System</a:t>
+            </a:r>
+            <a:endParaRPr lang="en-US" sz="3100" dirty="0">
+              <a:solidFill>
+                <a:schemeClr val="tx1"/>
+              </a:solidFill>
+              <a:cs typeface="Arial" panose="020B0604020202020204" pitchFamily="34" charset="0"/>
+            </a:endParaRPr>
           </a:p>
         </p:txBody>
       </p:sp>
     </p:spTree>
     <p:extLst>
       <p:ext uri="{BB962C8B-B14F-4D97-AF65-F5344CB8AC3E}">
-        <p14:creationId xmlns:p14="http://schemas.microsoft.com/office/powerpoint/2010/main" val="1689408603"/>
+        <p14:creationId xmlns="" xmlns:p14="http://schemas.microsoft.com/office/powerpoint/2010/main" val="1689408603"/>
       </p:ext>
     </p:extLst>
   </p:cSld>
@@ -6155,7 +6281,7 @@
           <p:cNvPr id="2" name="Title 1">
             <a:extLst>
               <a:ext uri="{FF2B5EF4-FFF2-40B4-BE49-F238E27FC236}">
-                <a16:creationId xmlns:a16="http://schemas.microsoft.com/office/drawing/2014/main" id="{E6102B3C-EC12-63ED-DC45-DD68B5F48CCB}"/>
+                <a16:creationId xmlns="" xmlns:a16="http://schemas.microsoft.com/office/drawing/2014/main" id="{E6102B3C-EC12-63ED-DC45-DD68B5F48CCB}"/>
               </a:ext>
             </a:extLst>
           </p:cNvPr>
@@ -6188,6 +6314,14 @@
                 </a:solidFill>
               </a:rPr>
             </a:br>
+            <a:r>
+              <a:rPr lang="en-US" dirty="0">
+                <a:solidFill>
+                  <a:schemeClr val="tx1"/>
+                </a:solidFill>
+              </a:rPr>
+              <a:t/>
+            </a:r>
             <a:br>
               <a:rPr lang="en-US" dirty="0">
                 <a:solidFill>
@@ -6219,7 +6353,7 @@
           <p:cNvPr id="3" name="Content Placeholder 2">
             <a:extLst>
               <a:ext uri="{FF2B5EF4-FFF2-40B4-BE49-F238E27FC236}">
-                <a16:creationId xmlns:a16="http://schemas.microsoft.com/office/drawing/2014/main" id="{23BEE346-457B-148D-EB52-AE5FD1FBEA39}"/>
+                <a16:creationId xmlns="" xmlns:a16="http://schemas.microsoft.com/office/drawing/2014/main" id="{23BEE346-457B-148D-EB52-AE5FD1FBEA39}"/>
               </a:ext>
             </a:extLst>
           </p:cNvPr>
@@ -6367,7 +6501,7 @@
     </p:spTree>
     <p:extLst>
       <p:ext uri="{BB962C8B-B14F-4D97-AF65-F5344CB8AC3E}">
-        <p14:creationId xmlns:p14="http://schemas.microsoft.com/office/powerpoint/2010/main" val="464152068"/>
+        <p14:creationId xmlns="" xmlns:p14="http://schemas.microsoft.com/office/powerpoint/2010/main" val="464152068"/>
       </p:ext>
     </p:extLst>
   </p:cSld>
@@ -6396,35 +6530,10 @@
       </p:grpSpPr>
       <p:sp>
         <p:nvSpPr>
-          <p:cNvPr id="2" name="Title 1">
-            <a:extLst>
-              <a:ext uri="{FF2B5EF4-FFF2-40B4-BE49-F238E27FC236}">
-                <a16:creationId xmlns:a16="http://schemas.microsoft.com/office/drawing/2014/main" id="{B8C92F9E-53D6-85E4-5674-1D017DBD8EFA}"/>
-              </a:ext>
-            </a:extLst>
-          </p:cNvPr>
-          <p:cNvSpPr>
-            <a:spLocks noGrp="1"/>
-          </p:cNvSpPr>
-          <p:nvPr>
-            <p:ph type="title"/>
-          </p:nvPr>
-        </p:nvSpPr>
-        <p:spPr/>
-        <p:txBody>
-          <a:bodyPr/>
-          <a:lstStyle/>
-          <a:p>
-            <a:endParaRPr lang="en-US" dirty="0"/>
-          </a:p>
-        </p:txBody>
-      </p:sp>
-      <p:sp>
-        <p:nvSpPr>
           <p:cNvPr id="3" name="Content Placeholder 2">
             <a:extLst>
               <a:ext uri="{FF2B5EF4-FFF2-40B4-BE49-F238E27FC236}">
-                <a16:creationId xmlns:a16="http://schemas.microsoft.com/office/drawing/2014/main" id="{B335A980-15DF-1263-F857-E6AC6DF5DB42}"/>
+                <a16:creationId xmlns="" xmlns:a16="http://schemas.microsoft.com/office/drawing/2014/main" id="{B335A980-15DF-1263-F857-E6AC6DF5DB42}"/>
               </a:ext>
             </a:extLst>
           </p:cNvPr>
@@ -6583,7 +6692,7 @@
     </p:spTree>
     <p:extLst>
       <p:ext uri="{BB962C8B-B14F-4D97-AF65-F5344CB8AC3E}">
-        <p14:creationId xmlns:p14="http://schemas.microsoft.com/office/powerpoint/2010/main" val="3819708683"/>
+        <p14:creationId xmlns="" xmlns:p14="http://schemas.microsoft.com/office/powerpoint/2010/main" val="3819708683"/>
       </p:ext>
     </p:extLst>
   </p:cSld>
@@ -6615,7 +6724,7 @@
           <p:cNvPr id="2" name="Title 1">
             <a:extLst>
               <a:ext uri="{FF2B5EF4-FFF2-40B4-BE49-F238E27FC236}">
-                <a16:creationId xmlns:a16="http://schemas.microsoft.com/office/drawing/2014/main" id="{ED80A3B7-E6B4-9533-A4B2-C5D396D4AC14}"/>
+                <a16:creationId xmlns="" xmlns:a16="http://schemas.microsoft.com/office/drawing/2014/main" id="{ED80A3B7-E6B4-9533-A4B2-C5D396D4AC14}"/>
               </a:ext>
             </a:extLst>
           </p:cNvPr>
@@ -6656,6 +6765,15 @@
                 <a:cs typeface="Mangal" panose="02040503050203030202" pitchFamily="18" charset="0"/>
               </a:rPr>
               <a:t>K – Nearest Neighbours Algorithm</a:t>
+            </a:r>
+            <a:r>
+              <a:rPr lang="en-US" sz="1800" kern="100" dirty="0">
+                <a:effectLst/>
+                <a:latin typeface="Calibri" panose="020F0502020204030204" pitchFamily="34" charset="0"/>
+                <a:ea typeface="Calibri" panose="020F0502020204030204" pitchFamily="34" charset="0"/>
+                <a:cs typeface="Mangal" panose="02040503050203030202" pitchFamily="18" charset="0"/>
+              </a:rPr>
+              <a:t/>
             </a:r>
             <a:br>
               <a:rPr lang="en-US" sz="1800" kern="100" dirty="0">
@@ -6678,7 +6796,7 @@
           <p:cNvPr id="3" name="Content Placeholder 2">
             <a:extLst>
               <a:ext uri="{FF2B5EF4-FFF2-40B4-BE49-F238E27FC236}">
-                <a16:creationId xmlns:a16="http://schemas.microsoft.com/office/drawing/2014/main" id="{944D8DB8-79D6-08A8-6A45-107ACEF0D228}"/>
+                <a16:creationId xmlns="" xmlns:a16="http://schemas.microsoft.com/office/drawing/2014/main" id="{944D8DB8-79D6-08A8-6A45-107ACEF0D228}"/>
               </a:ext>
             </a:extLst>
           </p:cNvPr>
@@ -6725,7 +6843,7 @@
           <p:cNvPr id="6" name="Picture 5" descr="Illustration of a graph that represents the K-Nearest Neighbors Algorithm">
             <a:extLst>
               <a:ext uri="{FF2B5EF4-FFF2-40B4-BE49-F238E27FC236}">
-                <a16:creationId xmlns:a16="http://schemas.microsoft.com/office/drawing/2014/main" id="{72F8F35D-2DD8-0E56-627A-61C11CEBB5D4}"/>
+                <a16:creationId xmlns="" xmlns:a16="http://schemas.microsoft.com/office/drawing/2014/main" id="{72F8F35D-2DD8-0E56-627A-61C11CEBB5D4}"/>
               </a:ext>
             </a:extLst>
           </p:cNvPr>
@@ -6738,7 +6856,7 @@
           <a:blip r:embed="rId2" cstate="print">
             <a:extLst>
               <a:ext uri="{28A0092B-C50C-407E-A947-70E740481C1C}">
-                <a14:useLocalDpi xmlns:a14="http://schemas.microsoft.com/office/drawing/2010/main" val="0"/>
+                <a14:useLocalDpi xmlns="" xmlns:a14="http://schemas.microsoft.com/office/drawing/2010/main" val="0"/>
               </a:ext>
             </a:extLst>
           </a:blip>
@@ -6764,7 +6882,7 @@
     </p:spTree>
     <p:extLst>
       <p:ext uri="{BB962C8B-B14F-4D97-AF65-F5344CB8AC3E}">
-        <p14:creationId xmlns:p14="http://schemas.microsoft.com/office/powerpoint/2010/main" val="2736289812"/>
+        <p14:creationId xmlns="" xmlns:p14="http://schemas.microsoft.com/office/powerpoint/2010/main" val="2736289812"/>
       </p:ext>
     </p:extLst>
   </p:cSld>
@@ -6796,7 +6914,7 @@
           <p:cNvPr id="2" name="Title 1">
             <a:extLst>
               <a:ext uri="{FF2B5EF4-FFF2-40B4-BE49-F238E27FC236}">
-                <a16:creationId xmlns:a16="http://schemas.microsoft.com/office/drawing/2014/main" id="{A6FC9A2A-97DF-6EFB-965F-F5B8176DA1C7}"/>
+                <a16:creationId xmlns="" xmlns:a16="http://schemas.microsoft.com/office/drawing/2014/main" id="{A6FC9A2A-97DF-6EFB-965F-F5B8176DA1C7}"/>
               </a:ext>
             </a:extLst>
           </p:cNvPr>
@@ -6828,7 +6946,7 @@
           <p:cNvPr id="5" name="Content Placeholder 4">
             <a:extLst>
               <a:ext uri="{FF2B5EF4-FFF2-40B4-BE49-F238E27FC236}">
-                <a16:creationId xmlns:a16="http://schemas.microsoft.com/office/drawing/2014/main" id="{6F6E4653-FB0D-9706-B938-CAF4C5766D9D}"/>
+                <a16:creationId xmlns="" xmlns:a16="http://schemas.microsoft.com/office/drawing/2014/main" id="{6F6E4653-FB0D-9706-B938-CAF4C5766D9D}"/>
               </a:ext>
             </a:extLst>
           </p:cNvPr>
@@ -6868,7 +6986,7 @@
     </p:spTree>
     <p:extLst>
       <p:ext uri="{BB962C8B-B14F-4D97-AF65-F5344CB8AC3E}">
-        <p14:creationId xmlns:p14="http://schemas.microsoft.com/office/powerpoint/2010/main" val="4116328493"/>
+        <p14:creationId xmlns="" xmlns:p14="http://schemas.microsoft.com/office/powerpoint/2010/main" val="4116328493"/>
       </p:ext>
     </p:extLst>
   </p:cSld>
@@ -6900,7 +7018,7 @@
           <p:cNvPr id="2" name="Title 1">
             <a:extLst>
               <a:ext uri="{FF2B5EF4-FFF2-40B4-BE49-F238E27FC236}">
-                <a16:creationId xmlns:a16="http://schemas.microsoft.com/office/drawing/2014/main" id="{352D6FE7-0E9F-FFB6-A346-9E76E06C273A}"/>
+                <a16:creationId xmlns="" xmlns:a16="http://schemas.microsoft.com/office/drawing/2014/main" id="{352D6FE7-0E9F-FFB6-A346-9E76E06C273A}"/>
               </a:ext>
             </a:extLst>
           </p:cNvPr>
@@ -6927,35 +7045,38 @@
           </a:p>
         </p:txBody>
       </p:sp>
-      <p:sp>
-        <p:nvSpPr>
-          <p:cNvPr id="3" name="Content Placeholder 2">
-            <a:extLst>
-              <a:ext uri="{FF2B5EF4-FFF2-40B4-BE49-F238E27FC236}">
-                <a16:creationId xmlns:a16="http://schemas.microsoft.com/office/drawing/2014/main" id="{425A7CEB-D56C-F6FB-43C1-F86496FAA60D}"/>
-              </a:ext>
-            </a:extLst>
-          </p:cNvPr>
-          <p:cNvSpPr>
-            <a:spLocks noGrp="1"/>
-          </p:cNvSpPr>
+      <p:pic>
+        <p:nvPicPr>
+          <p:cNvPr id="1026" name="Picture 2" descr="C:\Users\lenovo\Desktop\Minor\F\output.png"/>
+          <p:cNvPicPr>
+            <a:picLocks noGrp="1" noChangeAspect="1" noChangeArrowheads="1"/>
+          </p:cNvPicPr>
           <p:nvPr>
             <p:ph idx="1"/>
           </p:nvPr>
-        </p:nvSpPr>
-        <p:spPr/>
-        <p:txBody>
-          <a:bodyPr/>
-          <a:lstStyle/>
-          <a:p>
-            <a:endParaRPr lang="en-US" dirty="0"/>
-          </a:p>
-        </p:txBody>
-      </p:sp>
+        </p:nvPicPr>
+        <p:blipFill>
+          <a:blip r:embed="rId2"/>
+          <a:srcRect/>
+          <a:stretch>
+            <a:fillRect/>
+          </a:stretch>
+        </p:blipFill>
+        <p:spPr bwMode="auto">
+          <a:xfrm>
+            <a:off x="1328194" y="2465869"/>
+            <a:ext cx="6383309" cy="2343523"/>
+          </a:xfrm>
+          <a:prstGeom prst="rect">
+            <a:avLst/>
+          </a:prstGeom>
+          <a:noFill/>
+        </p:spPr>
+      </p:pic>
     </p:spTree>
     <p:extLst>
       <p:ext uri="{BB962C8B-B14F-4D97-AF65-F5344CB8AC3E}">
-        <p14:creationId xmlns:p14="http://schemas.microsoft.com/office/powerpoint/2010/main" val="256684248"/>
+        <p14:creationId xmlns="" xmlns:p14="http://schemas.microsoft.com/office/powerpoint/2010/main" val="256684248"/>
       </p:ext>
     </p:extLst>
   </p:cSld>
@@ -6987,7 +7108,7 @@
           <p:cNvPr id="2" name="Title 1">
             <a:extLst>
               <a:ext uri="{FF2B5EF4-FFF2-40B4-BE49-F238E27FC236}">
-                <a16:creationId xmlns:a16="http://schemas.microsoft.com/office/drawing/2014/main" id="{6683D8A1-6841-994F-73B7-A0427F957FD3}"/>
+                <a16:creationId xmlns="" xmlns:a16="http://schemas.microsoft.com/office/drawing/2014/main" id="{6683D8A1-6841-994F-73B7-A0427F957FD3}"/>
               </a:ext>
             </a:extLst>
           </p:cNvPr>
@@ -7022,35 +7143,10 @@
           </a:p>
         </p:txBody>
       </p:sp>
-      <p:sp>
-        <p:nvSpPr>
-          <p:cNvPr id="3" name="Content Placeholder 2">
-            <a:extLst>
-              <a:ext uri="{FF2B5EF4-FFF2-40B4-BE49-F238E27FC236}">
-                <a16:creationId xmlns:a16="http://schemas.microsoft.com/office/drawing/2014/main" id="{05871DD6-80C1-2116-9C4D-E42ABB71DB0C}"/>
-              </a:ext>
-            </a:extLst>
-          </p:cNvPr>
-          <p:cNvSpPr>
-            <a:spLocks noGrp="1"/>
-          </p:cNvSpPr>
-          <p:nvPr>
-            <p:ph idx="1"/>
-          </p:nvPr>
-        </p:nvSpPr>
-        <p:spPr/>
-        <p:txBody>
-          <a:bodyPr/>
-          <a:lstStyle/>
-          <a:p>
-            <a:endParaRPr lang="en-US"/>
-          </a:p>
-        </p:txBody>
-      </p:sp>
     </p:spTree>
     <p:extLst>
       <p:ext uri="{BB962C8B-B14F-4D97-AF65-F5344CB8AC3E}">
-        <p14:creationId xmlns:p14="http://schemas.microsoft.com/office/powerpoint/2010/main" val="927750785"/>
+        <p14:creationId xmlns="" xmlns:p14="http://schemas.microsoft.com/office/powerpoint/2010/main" val="927750785"/>
       </p:ext>
     </p:extLst>
   </p:cSld>
@@ -7103,7 +7199,7 @@
     </a:clrScheme>
     <a:fontScheme name="Facet">
       <a:majorFont>
-        <a:latin typeface="Trebuchet MS" panose="020B0603020202020204"/>
+        <a:latin typeface="Trebuchet MS"/>
         <a:ea typeface=""/>
         <a:cs typeface=""/>
         <a:font script="Jpan" typeface="メイリオ"/>
@@ -7138,7 +7234,7 @@
         <a:font script="Geor" typeface="Sylfaen"/>
       </a:majorFont>
       <a:minorFont>
-        <a:latin typeface="Trebuchet MS" panose="020B0603020202020204"/>
+        <a:latin typeface="Trebuchet MS"/>
         <a:ea typeface=""/>
         <a:cs typeface=""/>
         <a:font script="Jpan" typeface="メイリオ"/>
@@ -7311,7 +7407,7 @@
   <a:extraClrSchemeLst/>
   <a:extLst>
     <a:ext uri="{05A4C25C-085E-4340-85A3-A5531E510DB2}">
-      <thm15:themeFamily xmlns:thm15="http://schemas.microsoft.com/office/thememl/2012/main" name="Facet" id="{C0C680CD-088A-49FC-A102-D699147F32B2}" vid="{0B5AB586-D108-4FC1-8368-649FE654B894}"/>
+      <thm15:themeFamily xmlns="" xmlns:thm15="http://schemas.microsoft.com/office/thememl/2012/main" name="Facet" id="{C0C680CD-088A-49FC-A102-D699147F32B2}" vid="{0B5AB586-D108-4FC1-8368-649FE654B894}"/>
     </a:ext>
   </a:extLst>
 </a:theme>
